--- a/ppt 16-9/0588.主大慈爱.pptx
+++ b/ppt 16-9/0588.主大慈爱.pptx
@@ -5,7 +5,7 @@
     <p:sldMasterId id="2147483648" r:id="rId1"/>
   </p:sldMasterIdLst>
   <p:sldIdLst>
-    <p:sldId id="2357" r:id="rId2"/>
+    <p:sldId id="2359" r:id="rId2"/>
   </p:sldIdLst>
   <p:sldSz cx="12192000" cy="6858000"/>
   <p:notesSz cx="6858000" cy="9144000"/>
@@ -129,7 +129,7 @@
           <p:cNvPr id="2" name="标题 1">
             <a:extLst>
               <a:ext uri="{FF2B5EF4-FFF2-40B4-BE49-F238E27FC236}">
-                <a16:creationId xmlns:a16="http://schemas.microsoft.com/office/drawing/2014/main" id="{73DB2C59-9AF6-8421-EF74-A9A2D2BA5281}"/>
+                <a16:creationId xmlns:a16="http://schemas.microsoft.com/office/drawing/2014/main" id="{75B80D38-104A-9282-D4B3-F45D1944D0A1}"/>
               </a:ext>
             </a:extLst>
           </p:cNvPr>
@@ -166,7 +166,7 @@
           <p:cNvPr id="3" name="副标题 2">
             <a:extLst>
               <a:ext uri="{FF2B5EF4-FFF2-40B4-BE49-F238E27FC236}">
-                <a16:creationId xmlns:a16="http://schemas.microsoft.com/office/drawing/2014/main" id="{80A6A084-8377-7C95-2F41-4CA16E37FFDE}"/>
+                <a16:creationId xmlns:a16="http://schemas.microsoft.com/office/drawing/2014/main" id="{6B97EC18-B59B-E72B-9F1B-683B13152B54}"/>
               </a:ext>
             </a:extLst>
           </p:cNvPr>
@@ -236,7 +236,7 @@
           <p:cNvPr id="4" name="日期占位符 3">
             <a:extLst>
               <a:ext uri="{FF2B5EF4-FFF2-40B4-BE49-F238E27FC236}">
-                <a16:creationId xmlns:a16="http://schemas.microsoft.com/office/drawing/2014/main" id="{6194AE23-904F-6A25-327D-14C94E7886A1}"/>
+                <a16:creationId xmlns:a16="http://schemas.microsoft.com/office/drawing/2014/main" id="{9750FA2F-A479-CAF2-0BEE-4488D1E22826}"/>
               </a:ext>
             </a:extLst>
           </p:cNvPr>
@@ -252,7 +252,7 @@
           <a:bodyPr/>
           <a:lstStyle/>
           <a:p>
-            <a:fld id="{1271FFD0-F58E-4A3F-8DD1-CA3C59A4F266}" type="datetimeFigureOut">
+            <a:fld id="{8FD5A754-F529-4655-A8CC-7F310E5CDD3D}" type="datetimeFigureOut">
               <a:rPr lang="zh-CN" altLang="en-US" smtClean="0"/>
               <a:t>2024/3/10</a:t>
             </a:fld>
@@ -265,7 +265,7 @@
           <p:cNvPr id="5" name="页脚占位符 4">
             <a:extLst>
               <a:ext uri="{FF2B5EF4-FFF2-40B4-BE49-F238E27FC236}">
-                <a16:creationId xmlns:a16="http://schemas.microsoft.com/office/drawing/2014/main" id="{67632CD6-2C37-3055-9D83-2910F36FEC56}"/>
+                <a16:creationId xmlns:a16="http://schemas.microsoft.com/office/drawing/2014/main" id="{6D69873E-6369-ADE5-75F3-346CD3EF337B}"/>
               </a:ext>
             </a:extLst>
           </p:cNvPr>
@@ -290,7 +290,7 @@
           <p:cNvPr id="6" name="灯片编号占位符 5">
             <a:extLst>
               <a:ext uri="{FF2B5EF4-FFF2-40B4-BE49-F238E27FC236}">
-                <a16:creationId xmlns:a16="http://schemas.microsoft.com/office/drawing/2014/main" id="{95B8D27F-6C5C-A9CC-9E1B-7673A3C14C50}"/>
+                <a16:creationId xmlns:a16="http://schemas.microsoft.com/office/drawing/2014/main" id="{9B4371C8-7C99-0620-0F47-3A29336D4534}"/>
               </a:ext>
             </a:extLst>
           </p:cNvPr>
@@ -306,7 +306,7 @@
           <a:bodyPr/>
           <a:lstStyle/>
           <a:p>
-            <a:fld id="{6E5D8384-F055-40B3-9A08-C1EE48E2B1D7}" type="slidenum">
+            <a:fld id="{887BF7B9-B1BE-4170-84D3-49D71850DD14}" type="slidenum">
               <a:rPr lang="zh-CN" altLang="en-US" smtClean="0"/>
               <a:t>‹#›</a:t>
             </a:fld>
@@ -317,7 +317,7 @@
     </p:spTree>
     <p:extLst>
       <p:ext uri="{BB962C8B-B14F-4D97-AF65-F5344CB8AC3E}">
-        <p14:creationId xmlns:p14="http://schemas.microsoft.com/office/powerpoint/2010/main" val="2000972567"/>
+        <p14:creationId xmlns:p14="http://schemas.microsoft.com/office/powerpoint/2010/main" val="2264011896"/>
       </p:ext>
     </p:extLst>
   </p:cSld>
@@ -349,7 +349,7 @@
           <p:cNvPr id="2" name="标题 1">
             <a:extLst>
               <a:ext uri="{FF2B5EF4-FFF2-40B4-BE49-F238E27FC236}">
-                <a16:creationId xmlns:a16="http://schemas.microsoft.com/office/drawing/2014/main" id="{9D508B21-89C9-DBF2-77B0-4E92768FE67D}"/>
+                <a16:creationId xmlns:a16="http://schemas.microsoft.com/office/drawing/2014/main" id="{E58E3181-8924-E76A-FA59-D24E8EBFCA40}"/>
               </a:ext>
             </a:extLst>
           </p:cNvPr>
@@ -377,7 +377,7 @@
           <p:cNvPr id="3" name="竖排文字占位符 2">
             <a:extLst>
               <a:ext uri="{FF2B5EF4-FFF2-40B4-BE49-F238E27FC236}">
-                <a16:creationId xmlns:a16="http://schemas.microsoft.com/office/drawing/2014/main" id="{23CB13BF-F91D-E013-F68D-49FEF7AB4584}"/>
+                <a16:creationId xmlns:a16="http://schemas.microsoft.com/office/drawing/2014/main" id="{0D344C1E-F37E-CD3E-67AB-E97A23042D4A}"/>
               </a:ext>
             </a:extLst>
           </p:cNvPr>
@@ -434,7 +434,7 @@
           <p:cNvPr id="4" name="日期占位符 3">
             <a:extLst>
               <a:ext uri="{FF2B5EF4-FFF2-40B4-BE49-F238E27FC236}">
-                <a16:creationId xmlns:a16="http://schemas.microsoft.com/office/drawing/2014/main" id="{14BD9012-C819-5760-E497-65E64CA120DB}"/>
+                <a16:creationId xmlns:a16="http://schemas.microsoft.com/office/drawing/2014/main" id="{7D66EC6B-08A8-1339-F8C9-FE6DCD1B55B0}"/>
               </a:ext>
             </a:extLst>
           </p:cNvPr>
@@ -450,7 +450,7 @@
           <a:bodyPr/>
           <a:lstStyle/>
           <a:p>
-            <a:fld id="{1271FFD0-F58E-4A3F-8DD1-CA3C59A4F266}" type="datetimeFigureOut">
+            <a:fld id="{8FD5A754-F529-4655-A8CC-7F310E5CDD3D}" type="datetimeFigureOut">
               <a:rPr lang="zh-CN" altLang="en-US" smtClean="0"/>
               <a:t>2024/3/10</a:t>
             </a:fld>
@@ -463,7 +463,7 @@
           <p:cNvPr id="5" name="页脚占位符 4">
             <a:extLst>
               <a:ext uri="{FF2B5EF4-FFF2-40B4-BE49-F238E27FC236}">
-                <a16:creationId xmlns:a16="http://schemas.microsoft.com/office/drawing/2014/main" id="{297FBDBD-194D-FA27-813C-274ED60CA54A}"/>
+                <a16:creationId xmlns:a16="http://schemas.microsoft.com/office/drawing/2014/main" id="{0D6C17B3-20EF-CE75-8348-0ABC12509D09}"/>
               </a:ext>
             </a:extLst>
           </p:cNvPr>
@@ -488,7 +488,7 @@
           <p:cNvPr id="6" name="灯片编号占位符 5">
             <a:extLst>
               <a:ext uri="{FF2B5EF4-FFF2-40B4-BE49-F238E27FC236}">
-                <a16:creationId xmlns:a16="http://schemas.microsoft.com/office/drawing/2014/main" id="{5B41ED39-9620-82C9-171F-DD1E99FFAE5B}"/>
+                <a16:creationId xmlns:a16="http://schemas.microsoft.com/office/drawing/2014/main" id="{431207D7-E03F-B84F-E272-66DE48B9C5E0}"/>
               </a:ext>
             </a:extLst>
           </p:cNvPr>
@@ -504,7 +504,7 @@
           <a:bodyPr/>
           <a:lstStyle/>
           <a:p>
-            <a:fld id="{6E5D8384-F055-40B3-9A08-C1EE48E2B1D7}" type="slidenum">
+            <a:fld id="{887BF7B9-B1BE-4170-84D3-49D71850DD14}" type="slidenum">
               <a:rPr lang="zh-CN" altLang="en-US" smtClean="0"/>
               <a:t>‹#›</a:t>
             </a:fld>
@@ -515,7 +515,7 @@
     </p:spTree>
     <p:extLst>
       <p:ext uri="{BB962C8B-B14F-4D97-AF65-F5344CB8AC3E}">
-        <p14:creationId xmlns:p14="http://schemas.microsoft.com/office/powerpoint/2010/main" val="219267621"/>
+        <p14:creationId xmlns:p14="http://schemas.microsoft.com/office/powerpoint/2010/main" val="392687763"/>
       </p:ext>
     </p:extLst>
   </p:cSld>
@@ -547,7 +547,7 @@
           <p:cNvPr id="2" name="竖排标题 1">
             <a:extLst>
               <a:ext uri="{FF2B5EF4-FFF2-40B4-BE49-F238E27FC236}">
-                <a16:creationId xmlns:a16="http://schemas.microsoft.com/office/drawing/2014/main" id="{F4834C14-51AF-3B40-BFB3-F9611EEFBE50}"/>
+                <a16:creationId xmlns:a16="http://schemas.microsoft.com/office/drawing/2014/main" id="{99F0888A-A47E-F216-0156-0831A423BBBF}"/>
               </a:ext>
             </a:extLst>
           </p:cNvPr>
@@ -580,7 +580,7 @@
           <p:cNvPr id="3" name="竖排文字占位符 2">
             <a:extLst>
               <a:ext uri="{FF2B5EF4-FFF2-40B4-BE49-F238E27FC236}">
-                <a16:creationId xmlns:a16="http://schemas.microsoft.com/office/drawing/2014/main" id="{2F27D037-52A3-CDB0-AC79-FD880E9306C6}"/>
+                <a16:creationId xmlns:a16="http://schemas.microsoft.com/office/drawing/2014/main" id="{0E6536BF-5F72-BC6D-6402-2FB87BFE8286}"/>
               </a:ext>
             </a:extLst>
           </p:cNvPr>
@@ -642,7 +642,7 @@
           <p:cNvPr id="4" name="日期占位符 3">
             <a:extLst>
               <a:ext uri="{FF2B5EF4-FFF2-40B4-BE49-F238E27FC236}">
-                <a16:creationId xmlns:a16="http://schemas.microsoft.com/office/drawing/2014/main" id="{2DB468A7-718E-8B77-4EDE-4C1AFA247C2B}"/>
+                <a16:creationId xmlns:a16="http://schemas.microsoft.com/office/drawing/2014/main" id="{DEEC44E7-3C48-C58B-A5E1-8FE9A2D4E52C}"/>
               </a:ext>
             </a:extLst>
           </p:cNvPr>
@@ -658,7 +658,7 @@
           <a:bodyPr/>
           <a:lstStyle/>
           <a:p>
-            <a:fld id="{1271FFD0-F58E-4A3F-8DD1-CA3C59A4F266}" type="datetimeFigureOut">
+            <a:fld id="{8FD5A754-F529-4655-A8CC-7F310E5CDD3D}" type="datetimeFigureOut">
               <a:rPr lang="zh-CN" altLang="en-US" smtClean="0"/>
               <a:t>2024/3/10</a:t>
             </a:fld>
@@ -671,7 +671,7 @@
           <p:cNvPr id="5" name="页脚占位符 4">
             <a:extLst>
               <a:ext uri="{FF2B5EF4-FFF2-40B4-BE49-F238E27FC236}">
-                <a16:creationId xmlns:a16="http://schemas.microsoft.com/office/drawing/2014/main" id="{0D210189-CC66-521D-91EA-D37A4A9F694D}"/>
+                <a16:creationId xmlns:a16="http://schemas.microsoft.com/office/drawing/2014/main" id="{73266DC6-0008-C452-C3B6-725B3A8D10CA}"/>
               </a:ext>
             </a:extLst>
           </p:cNvPr>
@@ -696,7 +696,7 @@
           <p:cNvPr id="6" name="灯片编号占位符 5">
             <a:extLst>
               <a:ext uri="{FF2B5EF4-FFF2-40B4-BE49-F238E27FC236}">
-                <a16:creationId xmlns:a16="http://schemas.microsoft.com/office/drawing/2014/main" id="{2EB1F585-C2BD-D50F-124B-6F8F1434549B}"/>
+                <a16:creationId xmlns:a16="http://schemas.microsoft.com/office/drawing/2014/main" id="{05936258-DEDB-E147-B7CB-7F92D6883484}"/>
               </a:ext>
             </a:extLst>
           </p:cNvPr>
@@ -712,7 +712,7 @@
           <a:bodyPr/>
           <a:lstStyle/>
           <a:p>
-            <a:fld id="{6E5D8384-F055-40B3-9A08-C1EE48E2B1D7}" type="slidenum">
+            <a:fld id="{887BF7B9-B1BE-4170-84D3-49D71850DD14}" type="slidenum">
               <a:rPr lang="zh-CN" altLang="en-US" smtClean="0"/>
               <a:t>‹#›</a:t>
             </a:fld>
@@ -723,7 +723,7 @@
     </p:spTree>
     <p:extLst>
       <p:ext uri="{BB962C8B-B14F-4D97-AF65-F5344CB8AC3E}">
-        <p14:creationId xmlns:p14="http://schemas.microsoft.com/office/powerpoint/2010/main" val="3910910476"/>
+        <p14:creationId xmlns:p14="http://schemas.microsoft.com/office/powerpoint/2010/main" val="1419541068"/>
       </p:ext>
     </p:extLst>
   </p:cSld>
@@ -755,7 +755,7 @@
           <p:cNvPr id="2" name="标题 1">
             <a:extLst>
               <a:ext uri="{FF2B5EF4-FFF2-40B4-BE49-F238E27FC236}">
-                <a16:creationId xmlns:a16="http://schemas.microsoft.com/office/drawing/2014/main" id="{D8A610B0-A945-B3B8-6669-79ACD8AF18E9}"/>
+                <a16:creationId xmlns:a16="http://schemas.microsoft.com/office/drawing/2014/main" id="{B942973B-0FDF-E524-40EC-9CBDB4DFD7C8}"/>
               </a:ext>
             </a:extLst>
           </p:cNvPr>
@@ -783,7 +783,7 @@
           <p:cNvPr id="3" name="内容占位符 2">
             <a:extLst>
               <a:ext uri="{FF2B5EF4-FFF2-40B4-BE49-F238E27FC236}">
-                <a16:creationId xmlns:a16="http://schemas.microsoft.com/office/drawing/2014/main" id="{F305785F-0C8B-9B48-1EF8-5A94BC803C2B}"/>
+                <a16:creationId xmlns:a16="http://schemas.microsoft.com/office/drawing/2014/main" id="{689FB4A6-5CB5-F705-9929-EEFD30B57B08}"/>
               </a:ext>
             </a:extLst>
           </p:cNvPr>
@@ -840,7 +840,7 @@
           <p:cNvPr id="4" name="日期占位符 3">
             <a:extLst>
               <a:ext uri="{FF2B5EF4-FFF2-40B4-BE49-F238E27FC236}">
-                <a16:creationId xmlns:a16="http://schemas.microsoft.com/office/drawing/2014/main" id="{8A290313-AEAC-7FF3-1BED-826A37D948DE}"/>
+                <a16:creationId xmlns:a16="http://schemas.microsoft.com/office/drawing/2014/main" id="{5380553A-6FD4-AEAC-492C-67988E530381}"/>
               </a:ext>
             </a:extLst>
           </p:cNvPr>
@@ -856,7 +856,7 @@
           <a:bodyPr/>
           <a:lstStyle/>
           <a:p>
-            <a:fld id="{1271FFD0-F58E-4A3F-8DD1-CA3C59A4F266}" type="datetimeFigureOut">
+            <a:fld id="{8FD5A754-F529-4655-A8CC-7F310E5CDD3D}" type="datetimeFigureOut">
               <a:rPr lang="zh-CN" altLang="en-US" smtClean="0"/>
               <a:t>2024/3/10</a:t>
             </a:fld>
@@ -869,7 +869,7 @@
           <p:cNvPr id="5" name="页脚占位符 4">
             <a:extLst>
               <a:ext uri="{FF2B5EF4-FFF2-40B4-BE49-F238E27FC236}">
-                <a16:creationId xmlns:a16="http://schemas.microsoft.com/office/drawing/2014/main" id="{3FD43B64-2CB2-1049-E923-CDCF66FBF138}"/>
+                <a16:creationId xmlns:a16="http://schemas.microsoft.com/office/drawing/2014/main" id="{9F632267-1A6B-61ED-42BF-CE15BF6AAC74}"/>
               </a:ext>
             </a:extLst>
           </p:cNvPr>
@@ -894,7 +894,7 @@
           <p:cNvPr id="6" name="灯片编号占位符 5">
             <a:extLst>
               <a:ext uri="{FF2B5EF4-FFF2-40B4-BE49-F238E27FC236}">
-                <a16:creationId xmlns:a16="http://schemas.microsoft.com/office/drawing/2014/main" id="{0C86047F-3765-323B-52D4-EDB45133CB86}"/>
+                <a16:creationId xmlns:a16="http://schemas.microsoft.com/office/drawing/2014/main" id="{0A549654-0CBC-65B4-F48A-A840B83415E5}"/>
               </a:ext>
             </a:extLst>
           </p:cNvPr>
@@ -910,7 +910,7 @@
           <a:bodyPr/>
           <a:lstStyle/>
           <a:p>
-            <a:fld id="{6E5D8384-F055-40B3-9A08-C1EE48E2B1D7}" type="slidenum">
+            <a:fld id="{887BF7B9-B1BE-4170-84D3-49D71850DD14}" type="slidenum">
               <a:rPr lang="zh-CN" altLang="en-US" smtClean="0"/>
               <a:t>‹#›</a:t>
             </a:fld>
@@ -921,7 +921,7 @@
     </p:spTree>
     <p:extLst>
       <p:ext uri="{BB962C8B-B14F-4D97-AF65-F5344CB8AC3E}">
-        <p14:creationId xmlns:p14="http://schemas.microsoft.com/office/powerpoint/2010/main" val="615784602"/>
+        <p14:creationId xmlns:p14="http://schemas.microsoft.com/office/powerpoint/2010/main" val="130339040"/>
       </p:ext>
     </p:extLst>
   </p:cSld>
@@ -953,7 +953,7 @@
           <p:cNvPr id="2" name="标题 1">
             <a:extLst>
               <a:ext uri="{FF2B5EF4-FFF2-40B4-BE49-F238E27FC236}">
-                <a16:creationId xmlns:a16="http://schemas.microsoft.com/office/drawing/2014/main" id="{45971BEA-F329-C0F1-2C13-B8E492E8CD09}"/>
+                <a16:creationId xmlns:a16="http://schemas.microsoft.com/office/drawing/2014/main" id="{C2EBD059-BDA2-7793-AF93-1D4C28FD02E5}"/>
               </a:ext>
             </a:extLst>
           </p:cNvPr>
@@ -990,7 +990,7 @@
           <p:cNvPr id="3" name="文本占位符 2">
             <a:extLst>
               <a:ext uri="{FF2B5EF4-FFF2-40B4-BE49-F238E27FC236}">
-                <a16:creationId xmlns:a16="http://schemas.microsoft.com/office/drawing/2014/main" id="{B926207E-5934-2DBB-AD1F-681E70F86875}"/>
+                <a16:creationId xmlns:a16="http://schemas.microsoft.com/office/drawing/2014/main" id="{001E1BD8-1154-0F01-87FC-E63C6D5B44B2}"/>
               </a:ext>
             </a:extLst>
           </p:cNvPr>
@@ -1115,7 +1115,7 @@
           <p:cNvPr id="4" name="日期占位符 3">
             <a:extLst>
               <a:ext uri="{FF2B5EF4-FFF2-40B4-BE49-F238E27FC236}">
-                <a16:creationId xmlns:a16="http://schemas.microsoft.com/office/drawing/2014/main" id="{714E2360-2CC9-2127-E8C3-5268C3D4D74F}"/>
+                <a16:creationId xmlns:a16="http://schemas.microsoft.com/office/drawing/2014/main" id="{336CCF62-B393-B1A6-5304-BDE4F41F19EE}"/>
               </a:ext>
             </a:extLst>
           </p:cNvPr>
@@ -1131,7 +1131,7 @@
           <a:bodyPr/>
           <a:lstStyle/>
           <a:p>
-            <a:fld id="{1271FFD0-F58E-4A3F-8DD1-CA3C59A4F266}" type="datetimeFigureOut">
+            <a:fld id="{8FD5A754-F529-4655-A8CC-7F310E5CDD3D}" type="datetimeFigureOut">
               <a:rPr lang="zh-CN" altLang="en-US" smtClean="0"/>
               <a:t>2024/3/10</a:t>
             </a:fld>
@@ -1144,7 +1144,7 @@
           <p:cNvPr id="5" name="页脚占位符 4">
             <a:extLst>
               <a:ext uri="{FF2B5EF4-FFF2-40B4-BE49-F238E27FC236}">
-                <a16:creationId xmlns:a16="http://schemas.microsoft.com/office/drawing/2014/main" id="{19C7A992-72C8-96BF-1D70-98A9E452276D}"/>
+                <a16:creationId xmlns:a16="http://schemas.microsoft.com/office/drawing/2014/main" id="{2CE0DA6E-AF2D-C0B5-B631-A7385FE4ABF0}"/>
               </a:ext>
             </a:extLst>
           </p:cNvPr>
@@ -1169,7 +1169,7 @@
           <p:cNvPr id="6" name="灯片编号占位符 5">
             <a:extLst>
               <a:ext uri="{FF2B5EF4-FFF2-40B4-BE49-F238E27FC236}">
-                <a16:creationId xmlns:a16="http://schemas.microsoft.com/office/drawing/2014/main" id="{DC5BB3C2-32E6-E17A-D2E6-EC1B029DA601}"/>
+                <a16:creationId xmlns:a16="http://schemas.microsoft.com/office/drawing/2014/main" id="{BEE2D649-5126-C638-F626-E5F3CCB78DC1}"/>
               </a:ext>
             </a:extLst>
           </p:cNvPr>
@@ -1185,7 +1185,7 @@
           <a:bodyPr/>
           <a:lstStyle/>
           <a:p>
-            <a:fld id="{6E5D8384-F055-40B3-9A08-C1EE48E2B1D7}" type="slidenum">
+            <a:fld id="{887BF7B9-B1BE-4170-84D3-49D71850DD14}" type="slidenum">
               <a:rPr lang="zh-CN" altLang="en-US" smtClean="0"/>
               <a:t>‹#›</a:t>
             </a:fld>
@@ -1196,7 +1196,7 @@
     </p:spTree>
     <p:extLst>
       <p:ext uri="{BB962C8B-B14F-4D97-AF65-F5344CB8AC3E}">
-        <p14:creationId xmlns:p14="http://schemas.microsoft.com/office/powerpoint/2010/main" val="1727478025"/>
+        <p14:creationId xmlns:p14="http://schemas.microsoft.com/office/powerpoint/2010/main" val="594839350"/>
       </p:ext>
     </p:extLst>
   </p:cSld>
@@ -1228,7 +1228,7 @@
           <p:cNvPr id="2" name="标题 1">
             <a:extLst>
               <a:ext uri="{FF2B5EF4-FFF2-40B4-BE49-F238E27FC236}">
-                <a16:creationId xmlns:a16="http://schemas.microsoft.com/office/drawing/2014/main" id="{CC98FED9-8F85-F4E3-41CD-16328B33C05F}"/>
+                <a16:creationId xmlns:a16="http://schemas.microsoft.com/office/drawing/2014/main" id="{23E2B97A-FBCB-F659-D0C2-1AE57A0EE547}"/>
               </a:ext>
             </a:extLst>
           </p:cNvPr>
@@ -1256,7 +1256,7 @@
           <p:cNvPr id="3" name="内容占位符 2">
             <a:extLst>
               <a:ext uri="{FF2B5EF4-FFF2-40B4-BE49-F238E27FC236}">
-                <a16:creationId xmlns:a16="http://schemas.microsoft.com/office/drawing/2014/main" id="{AB7020C9-04DB-9735-68F1-4F089732D959}"/>
+                <a16:creationId xmlns:a16="http://schemas.microsoft.com/office/drawing/2014/main" id="{35F05B1B-D896-E6EA-00D8-8C3A260D4C65}"/>
               </a:ext>
             </a:extLst>
           </p:cNvPr>
@@ -1318,7 +1318,7 @@
           <p:cNvPr id="4" name="内容占位符 3">
             <a:extLst>
               <a:ext uri="{FF2B5EF4-FFF2-40B4-BE49-F238E27FC236}">
-                <a16:creationId xmlns:a16="http://schemas.microsoft.com/office/drawing/2014/main" id="{BF37D9CB-23FF-4F7D-832E-4624AE91C1D0}"/>
+                <a16:creationId xmlns:a16="http://schemas.microsoft.com/office/drawing/2014/main" id="{4F81D248-BAD7-BA62-2C5E-2CB3CDFEE072}"/>
               </a:ext>
             </a:extLst>
           </p:cNvPr>
@@ -1380,7 +1380,7 @@
           <p:cNvPr id="5" name="日期占位符 4">
             <a:extLst>
               <a:ext uri="{FF2B5EF4-FFF2-40B4-BE49-F238E27FC236}">
-                <a16:creationId xmlns:a16="http://schemas.microsoft.com/office/drawing/2014/main" id="{EC115A2B-217C-DD0C-1AFF-4FD4B19365C8}"/>
+                <a16:creationId xmlns:a16="http://schemas.microsoft.com/office/drawing/2014/main" id="{6C6F9CFA-3343-F754-3A0A-A4FDE747A9A9}"/>
               </a:ext>
             </a:extLst>
           </p:cNvPr>
@@ -1396,7 +1396,7 @@
           <a:bodyPr/>
           <a:lstStyle/>
           <a:p>
-            <a:fld id="{1271FFD0-F58E-4A3F-8DD1-CA3C59A4F266}" type="datetimeFigureOut">
+            <a:fld id="{8FD5A754-F529-4655-A8CC-7F310E5CDD3D}" type="datetimeFigureOut">
               <a:rPr lang="zh-CN" altLang="en-US" smtClean="0"/>
               <a:t>2024/3/10</a:t>
             </a:fld>
@@ -1409,7 +1409,7 @@
           <p:cNvPr id="6" name="页脚占位符 5">
             <a:extLst>
               <a:ext uri="{FF2B5EF4-FFF2-40B4-BE49-F238E27FC236}">
-                <a16:creationId xmlns:a16="http://schemas.microsoft.com/office/drawing/2014/main" id="{F42AFC54-8EB7-7759-5DFF-B3B21A93AB6D}"/>
+                <a16:creationId xmlns:a16="http://schemas.microsoft.com/office/drawing/2014/main" id="{3E3F3C98-F30E-5BFC-7C16-D80B7002DCEF}"/>
               </a:ext>
             </a:extLst>
           </p:cNvPr>
@@ -1434,7 +1434,7 @@
           <p:cNvPr id="7" name="灯片编号占位符 6">
             <a:extLst>
               <a:ext uri="{FF2B5EF4-FFF2-40B4-BE49-F238E27FC236}">
-                <a16:creationId xmlns:a16="http://schemas.microsoft.com/office/drawing/2014/main" id="{A1B78052-40EF-2635-3034-7D5605DC29AA}"/>
+                <a16:creationId xmlns:a16="http://schemas.microsoft.com/office/drawing/2014/main" id="{35F4954C-C090-7AD0-21AE-9190DED84707}"/>
               </a:ext>
             </a:extLst>
           </p:cNvPr>
@@ -1450,7 +1450,7 @@
           <a:bodyPr/>
           <a:lstStyle/>
           <a:p>
-            <a:fld id="{6E5D8384-F055-40B3-9A08-C1EE48E2B1D7}" type="slidenum">
+            <a:fld id="{887BF7B9-B1BE-4170-84D3-49D71850DD14}" type="slidenum">
               <a:rPr lang="zh-CN" altLang="en-US" smtClean="0"/>
               <a:t>‹#›</a:t>
             </a:fld>
@@ -1461,7 +1461,7 @@
     </p:spTree>
     <p:extLst>
       <p:ext uri="{BB962C8B-B14F-4D97-AF65-F5344CB8AC3E}">
-        <p14:creationId xmlns:p14="http://schemas.microsoft.com/office/powerpoint/2010/main" val="2803633437"/>
+        <p14:creationId xmlns:p14="http://schemas.microsoft.com/office/powerpoint/2010/main" val="4148174911"/>
       </p:ext>
     </p:extLst>
   </p:cSld>
@@ -1493,7 +1493,7 @@
           <p:cNvPr id="2" name="标题 1">
             <a:extLst>
               <a:ext uri="{FF2B5EF4-FFF2-40B4-BE49-F238E27FC236}">
-                <a16:creationId xmlns:a16="http://schemas.microsoft.com/office/drawing/2014/main" id="{B46050E0-55C8-E725-94C8-2855068322CB}"/>
+                <a16:creationId xmlns:a16="http://schemas.microsoft.com/office/drawing/2014/main" id="{DBE70966-8DAD-09AD-0821-CBDA10640110}"/>
               </a:ext>
             </a:extLst>
           </p:cNvPr>
@@ -1526,7 +1526,7 @@
           <p:cNvPr id="3" name="文本占位符 2">
             <a:extLst>
               <a:ext uri="{FF2B5EF4-FFF2-40B4-BE49-F238E27FC236}">
-                <a16:creationId xmlns:a16="http://schemas.microsoft.com/office/drawing/2014/main" id="{4A4D4BDC-96D6-4873-BA1A-27AFCA88D772}"/>
+                <a16:creationId xmlns:a16="http://schemas.microsoft.com/office/drawing/2014/main" id="{BBF8CE0E-2FB1-4BA5-85EC-78C51F4C4944}"/>
               </a:ext>
             </a:extLst>
           </p:cNvPr>
@@ -1597,7 +1597,7 @@
           <p:cNvPr id="4" name="内容占位符 3">
             <a:extLst>
               <a:ext uri="{FF2B5EF4-FFF2-40B4-BE49-F238E27FC236}">
-                <a16:creationId xmlns:a16="http://schemas.microsoft.com/office/drawing/2014/main" id="{73405768-43C3-DEAF-BFC8-7A13FC37C8D3}"/>
+                <a16:creationId xmlns:a16="http://schemas.microsoft.com/office/drawing/2014/main" id="{4AA89ED8-B43A-6E9D-4EAD-1E3D9B47921E}"/>
               </a:ext>
             </a:extLst>
           </p:cNvPr>
@@ -1659,7 +1659,7 @@
           <p:cNvPr id="5" name="文本占位符 4">
             <a:extLst>
               <a:ext uri="{FF2B5EF4-FFF2-40B4-BE49-F238E27FC236}">
-                <a16:creationId xmlns:a16="http://schemas.microsoft.com/office/drawing/2014/main" id="{10740CD7-0F2A-5246-5ECE-5C3BF096D721}"/>
+                <a16:creationId xmlns:a16="http://schemas.microsoft.com/office/drawing/2014/main" id="{970C87A6-0CD8-8B76-E853-CC611A421E4D}"/>
               </a:ext>
             </a:extLst>
           </p:cNvPr>
@@ -1730,7 +1730,7 @@
           <p:cNvPr id="6" name="内容占位符 5">
             <a:extLst>
               <a:ext uri="{FF2B5EF4-FFF2-40B4-BE49-F238E27FC236}">
-                <a16:creationId xmlns:a16="http://schemas.microsoft.com/office/drawing/2014/main" id="{F9F5D307-FB55-7485-0A05-1AFC9FEDD4F6}"/>
+                <a16:creationId xmlns:a16="http://schemas.microsoft.com/office/drawing/2014/main" id="{C6442A28-FDE4-88CE-89E7-15839682041C}"/>
               </a:ext>
             </a:extLst>
           </p:cNvPr>
@@ -1792,7 +1792,7 @@
           <p:cNvPr id="7" name="日期占位符 6">
             <a:extLst>
               <a:ext uri="{FF2B5EF4-FFF2-40B4-BE49-F238E27FC236}">
-                <a16:creationId xmlns:a16="http://schemas.microsoft.com/office/drawing/2014/main" id="{07F2D846-C2E8-ABC6-2C27-755DE0A9EB49}"/>
+                <a16:creationId xmlns:a16="http://schemas.microsoft.com/office/drawing/2014/main" id="{52672DA5-6A35-A32A-C3B1-C550F8F19794}"/>
               </a:ext>
             </a:extLst>
           </p:cNvPr>
@@ -1808,7 +1808,7 @@
           <a:bodyPr/>
           <a:lstStyle/>
           <a:p>
-            <a:fld id="{1271FFD0-F58E-4A3F-8DD1-CA3C59A4F266}" type="datetimeFigureOut">
+            <a:fld id="{8FD5A754-F529-4655-A8CC-7F310E5CDD3D}" type="datetimeFigureOut">
               <a:rPr lang="zh-CN" altLang="en-US" smtClean="0"/>
               <a:t>2024/3/10</a:t>
             </a:fld>
@@ -1821,7 +1821,7 @@
           <p:cNvPr id="8" name="页脚占位符 7">
             <a:extLst>
               <a:ext uri="{FF2B5EF4-FFF2-40B4-BE49-F238E27FC236}">
-                <a16:creationId xmlns:a16="http://schemas.microsoft.com/office/drawing/2014/main" id="{4066D081-2341-C8AD-53A3-C2A037F4E113}"/>
+                <a16:creationId xmlns:a16="http://schemas.microsoft.com/office/drawing/2014/main" id="{5FDF7403-5E05-C6C9-B836-E1371F8FBFB4}"/>
               </a:ext>
             </a:extLst>
           </p:cNvPr>
@@ -1846,7 +1846,7 @@
           <p:cNvPr id="9" name="灯片编号占位符 8">
             <a:extLst>
               <a:ext uri="{FF2B5EF4-FFF2-40B4-BE49-F238E27FC236}">
-                <a16:creationId xmlns:a16="http://schemas.microsoft.com/office/drawing/2014/main" id="{8B3EC0AD-0ADD-F9A1-CF88-7CD2056B226B}"/>
+                <a16:creationId xmlns:a16="http://schemas.microsoft.com/office/drawing/2014/main" id="{01264370-A5C3-A8CE-5A82-3E7EEB25D8C0}"/>
               </a:ext>
             </a:extLst>
           </p:cNvPr>
@@ -1862,7 +1862,7 @@
           <a:bodyPr/>
           <a:lstStyle/>
           <a:p>
-            <a:fld id="{6E5D8384-F055-40B3-9A08-C1EE48E2B1D7}" type="slidenum">
+            <a:fld id="{887BF7B9-B1BE-4170-84D3-49D71850DD14}" type="slidenum">
               <a:rPr lang="zh-CN" altLang="en-US" smtClean="0"/>
               <a:t>‹#›</a:t>
             </a:fld>
@@ -1873,7 +1873,7 @@
     </p:spTree>
     <p:extLst>
       <p:ext uri="{BB962C8B-B14F-4D97-AF65-F5344CB8AC3E}">
-        <p14:creationId xmlns:p14="http://schemas.microsoft.com/office/powerpoint/2010/main" val="950902137"/>
+        <p14:creationId xmlns:p14="http://schemas.microsoft.com/office/powerpoint/2010/main" val="755672313"/>
       </p:ext>
     </p:extLst>
   </p:cSld>
@@ -1905,7 +1905,7 @@
           <p:cNvPr id="2" name="标题 1">
             <a:extLst>
               <a:ext uri="{FF2B5EF4-FFF2-40B4-BE49-F238E27FC236}">
-                <a16:creationId xmlns:a16="http://schemas.microsoft.com/office/drawing/2014/main" id="{C8BE37B0-4617-5888-B481-62C4244814B8}"/>
+                <a16:creationId xmlns:a16="http://schemas.microsoft.com/office/drawing/2014/main" id="{E5A39C28-BDF7-4F5C-DB0D-5892D754C209}"/>
               </a:ext>
             </a:extLst>
           </p:cNvPr>
@@ -1933,7 +1933,7 @@
           <p:cNvPr id="3" name="日期占位符 2">
             <a:extLst>
               <a:ext uri="{FF2B5EF4-FFF2-40B4-BE49-F238E27FC236}">
-                <a16:creationId xmlns:a16="http://schemas.microsoft.com/office/drawing/2014/main" id="{A86816A8-9E68-8F9E-2969-7F5F481990EE}"/>
+                <a16:creationId xmlns:a16="http://schemas.microsoft.com/office/drawing/2014/main" id="{308D16E3-2ECC-26E4-A9A2-0D826DE4E4A9}"/>
               </a:ext>
             </a:extLst>
           </p:cNvPr>
@@ -1949,7 +1949,7 @@
           <a:bodyPr/>
           <a:lstStyle/>
           <a:p>
-            <a:fld id="{1271FFD0-F58E-4A3F-8DD1-CA3C59A4F266}" type="datetimeFigureOut">
+            <a:fld id="{8FD5A754-F529-4655-A8CC-7F310E5CDD3D}" type="datetimeFigureOut">
               <a:rPr lang="zh-CN" altLang="en-US" smtClean="0"/>
               <a:t>2024/3/10</a:t>
             </a:fld>
@@ -1962,7 +1962,7 @@
           <p:cNvPr id="4" name="页脚占位符 3">
             <a:extLst>
               <a:ext uri="{FF2B5EF4-FFF2-40B4-BE49-F238E27FC236}">
-                <a16:creationId xmlns:a16="http://schemas.microsoft.com/office/drawing/2014/main" id="{7D365FC2-0292-D2AF-8679-65344912ADE9}"/>
+                <a16:creationId xmlns:a16="http://schemas.microsoft.com/office/drawing/2014/main" id="{8BF33D26-49D1-1842-E0A8-41262CB3CD00}"/>
               </a:ext>
             </a:extLst>
           </p:cNvPr>
@@ -1987,7 +1987,7 @@
           <p:cNvPr id="5" name="灯片编号占位符 4">
             <a:extLst>
               <a:ext uri="{FF2B5EF4-FFF2-40B4-BE49-F238E27FC236}">
-                <a16:creationId xmlns:a16="http://schemas.microsoft.com/office/drawing/2014/main" id="{8768D439-DA4A-62DC-5593-0A38566C8A3F}"/>
+                <a16:creationId xmlns:a16="http://schemas.microsoft.com/office/drawing/2014/main" id="{375D4DC4-C770-2EC3-8C49-8DAC2998BF3C}"/>
               </a:ext>
             </a:extLst>
           </p:cNvPr>
@@ -2003,7 +2003,7 @@
           <a:bodyPr/>
           <a:lstStyle/>
           <a:p>
-            <a:fld id="{6E5D8384-F055-40B3-9A08-C1EE48E2B1D7}" type="slidenum">
+            <a:fld id="{887BF7B9-B1BE-4170-84D3-49D71850DD14}" type="slidenum">
               <a:rPr lang="zh-CN" altLang="en-US" smtClean="0"/>
               <a:t>‹#›</a:t>
             </a:fld>
@@ -2014,7 +2014,7 @@
     </p:spTree>
     <p:extLst>
       <p:ext uri="{BB962C8B-B14F-4D97-AF65-F5344CB8AC3E}">
-        <p14:creationId xmlns:p14="http://schemas.microsoft.com/office/powerpoint/2010/main" val="4268716536"/>
+        <p14:creationId xmlns:p14="http://schemas.microsoft.com/office/powerpoint/2010/main" val="2369804682"/>
       </p:ext>
     </p:extLst>
   </p:cSld>
@@ -2046,7 +2046,7 @@
           <p:cNvPr id="2" name="日期占位符 1">
             <a:extLst>
               <a:ext uri="{FF2B5EF4-FFF2-40B4-BE49-F238E27FC236}">
-                <a16:creationId xmlns:a16="http://schemas.microsoft.com/office/drawing/2014/main" id="{E0579081-DEED-EBB3-F69A-344112A4C58F}"/>
+                <a16:creationId xmlns:a16="http://schemas.microsoft.com/office/drawing/2014/main" id="{FAFC23BF-F4E9-92DF-14F8-659173197359}"/>
               </a:ext>
             </a:extLst>
           </p:cNvPr>
@@ -2062,7 +2062,7 @@
           <a:bodyPr/>
           <a:lstStyle/>
           <a:p>
-            <a:fld id="{1271FFD0-F58E-4A3F-8DD1-CA3C59A4F266}" type="datetimeFigureOut">
+            <a:fld id="{8FD5A754-F529-4655-A8CC-7F310E5CDD3D}" type="datetimeFigureOut">
               <a:rPr lang="zh-CN" altLang="en-US" smtClean="0"/>
               <a:t>2024/3/10</a:t>
             </a:fld>
@@ -2075,7 +2075,7 @@
           <p:cNvPr id="3" name="页脚占位符 2">
             <a:extLst>
               <a:ext uri="{FF2B5EF4-FFF2-40B4-BE49-F238E27FC236}">
-                <a16:creationId xmlns:a16="http://schemas.microsoft.com/office/drawing/2014/main" id="{FDAD02A5-04F6-951F-C7A6-705B9CF6E101}"/>
+                <a16:creationId xmlns:a16="http://schemas.microsoft.com/office/drawing/2014/main" id="{D475A045-2CE2-ADFD-6B29-2F4DAD7CD6BF}"/>
               </a:ext>
             </a:extLst>
           </p:cNvPr>
@@ -2100,7 +2100,7 @@
           <p:cNvPr id="4" name="灯片编号占位符 3">
             <a:extLst>
               <a:ext uri="{FF2B5EF4-FFF2-40B4-BE49-F238E27FC236}">
-                <a16:creationId xmlns:a16="http://schemas.microsoft.com/office/drawing/2014/main" id="{AB660754-FDBB-08DC-43B4-D56848173D08}"/>
+                <a16:creationId xmlns:a16="http://schemas.microsoft.com/office/drawing/2014/main" id="{387E546E-AC26-5CAE-4BEA-44B400A72C1F}"/>
               </a:ext>
             </a:extLst>
           </p:cNvPr>
@@ -2116,7 +2116,7 @@
           <a:bodyPr/>
           <a:lstStyle/>
           <a:p>
-            <a:fld id="{6E5D8384-F055-40B3-9A08-C1EE48E2B1D7}" type="slidenum">
+            <a:fld id="{887BF7B9-B1BE-4170-84D3-49D71850DD14}" type="slidenum">
               <a:rPr lang="zh-CN" altLang="en-US" smtClean="0"/>
               <a:t>‹#›</a:t>
             </a:fld>
@@ -2127,7 +2127,7 @@
     </p:spTree>
     <p:extLst>
       <p:ext uri="{BB962C8B-B14F-4D97-AF65-F5344CB8AC3E}">
-        <p14:creationId xmlns:p14="http://schemas.microsoft.com/office/powerpoint/2010/main" val="1738698258"/>
+        <p14:creationId xmlns:p14="http://schemas.microsoft.com/office/powerpoint/2010/main" val="2111256944"/>
       </p:ext>
     </p:extLst>
   </p:cSld>
@@ -2159,7 +2159,7 @@
           <p:cNvPr id="2" name="标题 1">
             <a:extLst>
               <a:ext uri="{FF2B5EF4-FFF2-40B4-BE49-F238E27FC236}">
-                <a16:creationId xmlns:a16="http://schemas.microsoft.com/office/drawing/2014/main" id="{0D3FD634-8192-1CB8-683E-E7349560D9E1}"/>
+                <a16:creationId xmlns:a16="http://schemas.microsoft.com/office/drawing/2014/main" id="{7BCEE9E3-80A0-83F0-0C43-787CC7D487B8}"/>
               </a:ext>
             </a:extLst>
           </p:cNvPr>
@@ -2196,7 +2196,7 @@
           <p:cNvPr id="3" name="内容占位符 2">
             <a:extLst>
               <a:ext uri="{FF2B5EF4-FFF2-40B4-BE49-F238E27FC236}">
-                <a16:creationId xmlns:a16="http://schemas.microsoft.com/office/drawing/2014/main" id="{BDA2292F-078F-8EDE-EC61-24DED28ACB14}"/>
+                <a16:creationId xmlns:a16="http://schemas.microsoft.com/office/drawing/2014/main" id="{23F2564D-9347-F79A-4FBC-8354B7E6A308}"/>
               </a:ext>
             </a:extLst>
           </p:cNvPr>
@@ -2286,7 +2286,7 @@
           <p:cNvPr id="4" name="文本占位符 3">
             <a:extLst>
               <a:ext uri="{FF2B5EF4-FFF2-40B4-BE49-F238E27FC236}">
-                <a16:creationId xmlns:a16="http://schemas.microsoft.com/office/drawing/2014/main" id="{3FA74EEB-4AAB-72EA-7671-17AF6EC91690}"/>
+                <a16:creationId xmlns:a16="http://schemas.microsoft.com/office/drawing/2014/main" id="{F542BE91-02C7-71AF-E52A-08714DADE5EB}"/>
               </a:ext>
             </a:extLst>
           </p:cNvPr>
@@ -2357,7 +2357,7 @@
           <p:cNvPr id="5" name="日期占位符 4">
             <a:extLst>
               <a:ext uri="{FF2B5EF4-FFF2-40B4-BE49-F238E27FC236}">
-                <a16:creationId xmlns:a16="http://schemas.microsoft.com/office/drawing/2014/main" id="{4F1F287A-38DD-2C97-DBF0-7021CC8D7007}"/>
+                <a16:creationId xmlns:a16="http://schemas.microsoft.com/office/drawing/2014/main" id="{72CEE48D-75D9-D00F-9152-850F9A0C510A}"/>
               </a:ext>
             </a:extLst>
           </p:cNvPr>
@@ -2373,7 +2373,7 @@
           <a:bodyPr/>
           <a:lstStyle/>
           <a:p>
-            <a:fld id="{1271FFD0-F58E-4A3F-8DD1-CA3C59A4F266}" type="datetimeFigureOut">
+            <a:fld id="{8FD5A754-F529-4655-A8CC-7F310E5CDD3D}" type="datetimeFigureOut">
               <a:rPr lang="zh-CN" altLang="en-US" smtClean="0"/>
               <a:t>2024/3/10</a:t>
             </a:fld>
@@ -2386,7 +2386,7 @@
           <p:cNvPr id="6" name="页脚占位符 5">
             <a:extLst>
               <a:ext uri="{FF2B5EF4-FFF2-40B4-BE49-F238E27FC236}">
-                <a16:creationId xmlns:a16="http://schemas.microsoft.com/office/drawing/2014/main" id="{0A27C888-53A3-849A-07DD-3F7C5D25E5AB}"/>
+                <a16:creationId xmlns:a16="http://schemas.microsoft.com/office/drawing/2014/main" id="{B0E1A1B2-F915-C434-D050-8FB65AAC7449}"/>
               </a:ext>
             </a:extLst>
           </p:cNvPr>
@@ -2411,7 +2411,7 @@
           <p:cNvPr id="7" name="灯片编号占位符 6">
             <a:extLst>
               <a:ext uri="{FF2B5EF4-FFF2-40B4-BE49-F238E27FC236}">
-                <a16:creationId xmlns:a16="http://schemas.microsoft.com/office/drawing/2014/main" id="{AAFF6DB6-5183-DB22-C053-CE60F322E09D}"/>
+                <a16:creationId xmlns:a16="http://schemas.microsoft.com/office/drawing/2014/main" id="{3E47750B-4A58-CAA1-9D0A-607970C92A4D}"/>
               </a:ext>
             </a:extLst>
           </p:cNvPr>
@@ -2427,7 +2427,7 @@
           <a:bodyPr/>
           <a:lstStyle/>
           <a:p>
-            <a:fld id="{6E5D8384-F055-40B3-9A08-C1EE48E2B1D7}" type="slidenum">
+            <a:fld id="{887BF7B9-B1BE-4170-84D3-49D71850DD14}" type="slidenum">
               <a:rPr lang="zh-CN" altLang="en-US" smtClean="0"/>
               <a:t>‹#›</a:t>
             </a:fld>
@@ -2438,7 +2438,7 @@
     </p:spTree>
     <p:extLst>
       <p:ext uri="{BB962C8B-B14F-4D97-AF65-F5344CB8AC3E}">
-        <p14:creationId xmlns:p14="http://schemas.microsoft.com/office/powerpoint/2010/main" val="1672917411"/>
+        <p14:creationId xmlns:p14="http://schemas.microsoft.com/office/powerpoint/2010/main" val="2741193712"/>
       </p:ext>
     </p:extLst>
   </p:cSld>
@@ -2470,7 +2470,7 @@
           <p:cNvPr id="2" name="标题 1">
             <a:extLst>
               <a:ext uri="{FF2B5EF4-FFF2-40B4-BE49-F238E27FC236}">
-                <a16:creationId xmlns:a16="http://schemas.microsoft.com/office/drawing/2014/main" id="{7BEC3131-219D-6347-57FD-EB13B1AA452F}"/>
+                <a16:creationId xmlns:a16="http://schemas.microsoft.com/office/drawing/2014/main" id="{A2E3927A-771E-5E6B-4BC2-AA0F1ED03DCE}"/>
               </a:ext>
             </a:extLst>
           </p:cNvPr>
@@ -2507,7 +2507,7 @@
           <p:cNvPr id="3" name="图片占位符 2">
             <a:extLst>
               <a:ext uri="{FF2B5EF4-FFF2-40B4-BE49-F238E27FC236}">
-                <a16:creationId xmlns:a16="http://schemas.microsoft.com/office/drawing/2014/main" id="{37A3E073-EF73-26B6-D278-A3231D60F603}"/>
+                <a16:creationId xmlns:a16="http://schemas.microsoft.com/office/drawing/2014/main" id="{0CBD497A-95B6-21C4-8C76-CC91E0EC01D5}"/>
               </a:ext>
             </a:extLst>
           </p:cNvPr>
@@ -2574,7 +2574,7 @@
           <p:cNvPr id="4" name="文本占位符 3">
             <a:extLst>
               <a:ext uri="{FF2B5EF4-FFF2-40B4-BE49-F238E27FC236}">
-                <a16:creationId xmlns:a16="http://schemas.microsoft.com/office/drawing/2014/main" id="{EB569888-7339-B6C7-9939-771A2AD0BA59}"/>
+                <a16:creationId xmlns:a16="http://schemas.microsoft.com/office/drawing/2014/main" id="{61C53556-E1F7-6E12-2C23-FA83F6044DF8}"/>
               </a:ext>
             </a:extLst>
           </p:cNvPr>
@@ -2645,7 +2645,7 @@
           <p:cNvPr id="5" name="日期占位符 4">
             <a:extLst>
               <a:ext uri="{FF2B5EF4-FFF2-40B4-BE49-F238E27FC236}">
-                <a16:creationId xmlns:a16="http://schemas.microsoft.com/office/drawing/2014/main" id="{F2FB2551-E9FA-171B-796A-5BADB06F64AE}"/>
+                <a16:creationId xmlns:a16="http://schemas.microsoft.com/office/drawing/2014/main" id="{1E517395-4832-AB6C-C648-6A97144F6B80}"/>
               </a:ext>
             </a:extLst>
           </p:cNvPr>
@@ -2661,7 +2661,7 @@
           <a:bodyPr/>
           <a:lstStyle/>
           <a:p>
-            <a:fld id="{1271FFD0-F58E-4A3F-8DD1-CA3C59A4F266}" type="datetimeFigureOut">
+            <a:fld id="{8FD5A754-F529-4655-A8CC-7F310E5CDD3D}" type="datetimeFigureOut">
               <a:rPr lang="zh-CN" altLang="en-US" smtClean="0"/>
               <a:t>2024/3/10</a:t>
             </a:fld>
@@ -2674,7 +2674,7 @@
           <p:cNvPr id="6" name="页脚占位符 5">
             <a:extLst>
               <a:ext uri="{FF2B5EF4-FFF2-40B4-BE49-F238E27FC236}">
-                <a16:creationId xmlns:a16="http://schemas.microsoft.com/office/drawing/2014/main" id="{2948B06E-4FD1-EF9F-C0CD-D42D0C3FB598}"/>
+                <a16:creationId xmlns:a16="http://schemas.microsoft.com/office/drawing/2014/main" id="{C8C31CE8-1E8F-BC07-BBE3-1C9CFC91567B}"/>
               </a:ext>
             </a:extLst>
           </p:cNvPr>
@@ -2699,7 +2699,7 @@
           <p:cNvPr id="7" name="灯片编号占位符 6">
             <a:extLst>
               <a:ext uri="{FF2B5EF4-FFF2-40B4-BE49-F238E27FC236}">
-                <a16:creationId xmlns:a16="http://schemas.microsoft.com/office/drawing/2014/main" id="{B9EEAF85-B8C5-239A-696C-E607898CF3CA}"/>
+                <a16:creationId xmlns:a16="http://schemas.microsoft.com/office/drawing/2014/main" id="{8BBFA85E-D21C-C792-E5C3-CFEC9442BB78}"/>
               </a:ext>
             </a:extLst>
           </p:cNvPr>
@@ -2715,7 +2715,7 @@
           <a:bodyPr/>
           <a:lstStyle/>
           <a:p>
-            <a:fld id="{6E5D8384-F055-40B3-9A08-C1EE48E2B1D7}" type="slidenum">
+            <a:fld id="{887BF7B9-B1BE-4170-84D3-49D71850DD14}" type="slidenum">
               <a:rPr lang="zh-CN" altLang="en-US" smtClean="0"/>
               <a:t>‹#›</a:t>
             </a:fld>
@@ -2726,7 +2726,7 @@
     </p:spTree>
     <p:extLst>
       <p:ext uri="{BB962C8B-B14F-4D97-AF65-F5344CB8AC3E}">
-        <p14:creationId xmlns:p14="http://schemas.microsoft.com/office/powerpoint/2010/main" val="4159350044"/>
+        <p14:creationId xmlns:p14="http://schemas.microsoft.com/office/powerpoint/2010/main" val="3689228736"/>
       </p:ext>
     </p:extLst>
   </p:cSld>
@@ -2763,7 +2763,7 @@
           <p:cNvPr id="2" name="标题占位符 1">
             <a:extLst>
               <a:ext uri="{FF2B5EF4-FFF2-40B4-BE49-F238E27FC236}">
-                <a16:creationId xmlns:a16="http://schemas.microsoft.com/office/drawing/2014/main" id="{7FD0E5BB-37AF-5719-0998-DDFE56CB1738}"/>
+                <a16:creationId xmlns:a16="http://schemas.microsoft.com/office/drawing/2014/main" id="{37DD2DB9-A733-252B-3786-D2730F8EEB69}"/>
               </a:ext>
             </a:extLst>
           </p:cNvPr>
@@ -2801,7 +2801,7 @@
           <p:cNvPr id="3" name="文本占位符 2">
             <a:extLst>
               <a:ext uri="{FF2B5EF4-FFF2-40B4-BE49-F238E27FC236}">
-                <a16:creationId xmlns:a16="http://schemas.microsoft.com/office/drawing/2014/main" id="{A3B7791E-4188-30C6-C3F0-A4D40A39027E}"/>
+                <a16:creationId xmlns:a16="http://schemas.microsoft.com/office/drawing/2014/main" id="{3AC04CF0-FBC8-A6ED-6F7F-3188A3A60E59}"/>
               </a:ext>
             </a:extLst>
           </p:cNvPr>
@@ -2868,7 +2868,7 @@
           <p:cNvPr id="4" name="日期占位符 3">
             <a:extLst>
               <a:ext uri="{FF2B5EF4-FFF2-40B4-BE49-F238E27FC236}">
-                <a16:creationId xmlns:a16="http://schemas.microsoft.com/office/drawing/2014/main" id="{5F18FA34-C2F6-820D-BFAB-09BEC72ECD7E}"/>
+                <a16:creationId xmlns:a16="http://schemas.microsoft.com/office/drawing/2014/main" id="{45131655-74B1-8BBC-E964-360F484190EA}"/>
               </a:ext>
             </a:extLst>
           </p:cNvPr>
@@ -2902,7 +2902,7 @@
             </a:lvl1pPr>
           </a:lstStyle>
           <a:p>
-            <a:fld id="{1271FFD0-F58E-4A3F-8DD1-CA3C59A4F266}" type="datetimeFigureOut">
+            <a:fld id="{8FD5A754-F529-4655-A8CC-7F310E5CDD3D}" type="datetimeFigureOut">
               <a:rPr lang="zh-CN" altLang="en-US" smtClean="0"/>
               <a:t>2024/3/10</a:t>
             </a:fld>
@@ -2915,7 +2915,7 @@
           <p:cNvPr id="5" name="页脚占位符 4">
             <a:extLst>
               <a:ext uri="{FF2B5EF4-FFF2-40B4-BE49-F238E27FC236}">
-                <a16:creationId xmlns:a16="http://schemas.microsoft.com/office/drawing/2014/main" id="{DE63E846-DD35-6302-9F07-74C3398000CF}"/>
+                <a16:creationId xmlns:a16="http://schemas.microsoft.com/office/drawing/2014/main" id="{CBEBE6CD-61DB-C5B2-91CC-F07DDF86D038}"/>
               </a:ext>
             </a:extLst>
           </p:cNvPr>
@@ -2958,7 +2958,7 @@
           <p:cNvPr id="6" name="灯片编号占位符 5">
             <a:extLst>
               <a:ext uri="{FF2B5EF4-FFF2-40B4-BE49-F238E27FC236}">
-                <a16:creationId xmlns:a16="http://schemas.microsoft.com/office/drawing/2014/main" id="{9EC702CB-CC29-A573-FDF8-CAB37D27FB58}"/>
+                <a16:creationId xmlns:a16="http://schemas.microsoft.com/office/drawing/2014/main" id="{D0E23CEC-FBBD-E8F5-DB71-E682265CA773}"/>
               </a:ext>
             </a:extLst>
           </p:cNvPr>
@@ -2992,7 +2992,7 @@
             </a:lvl1pPr>
           </a:lstStyle>
           <a:p>
-            <a:fld id="{6E5D8384-F055-40B3-9A08-C1EE48E2B1D7}" type="slidenum">
+            <a:fld id="{887BF7B9-B1BE-4170-84D3-49D71850DD14}" type="slidenum">
               <a:rPr lang="zh-CN" altLang="en-US" smtClean="0"/>
               <a:t>‹#›</a:t>
             </a:fld>
@@ -3003,7 +3003,7 @@
     </p:spTree>
     <p:extLst>
       <p:ext uri="{BB962C8B-B14F-4D97-AF65-F5344CB8AC3E}">
-        <p14:creationId xmlns:p14="http://schemas.microsoft.com/office/powerpoint/2010/main" val="4127104163"/>
+        <p14:creationId xmlns:p14="http://schemas.microsoft.com/office/powerpoint/2010/main" val="3650221125"/>
       </p:ext>
     </p:extLst>
   </p:cSld>
@@ -3323,7 +3323,7 @@
       </p:grpSpPr>
       <p:pic>
         <p:nvPicPr>
-          <p:cNvPr id="602114" name="Picture 2" descr="587"/>
+          <p:cNvPr id="603138" name="Picture 2" descr="588"/>
           <p:cNvPicPr>
             <a:picLocks noChangeAspect="1" noChangeArrowheads="1"/>
           </p:cNvPicPr>
@@ -3377,7 +3377,7 @@
       </p:pic>
       <p:pic>
         <p:nvPicPr>
-          <p:cNvPr id="603139" name="Picture 3" descr="587-2"/>
+          <p:cNvPr id="604163" name="Picture 3" descr="588-2"/>
           <p:cNvPicPr>
             <a:picLocks noChangeAspect="1" noChangeArrowheads="1"/>
           </p:cNvPicPr>
@@ -3398,8 +3398,8 @@
         </p:blipFill>
         <p:spPr bwMode="auto">
           <a:xfrm>
-            <a:off x="1524000" y="-12700"/>
-            <a:ext cx="9144000" cy="6843713"/>
+            <a:off x="1524000" y="0"/>
+            <a:ext cx="9144000" cy="6858000"/>
           </a:xfrm>
           <a:prstGeom prst="rect">
             <a:avLst/>
@@ -3478,7 +3478,7 @@
                                           </p:stCondLst>
                                         </p:cTn>
                                         <p:tgtEl>
-                                          <p:spTgt spid="603139"/>
+                                          <p:spTgt spid="604163"/>
                                         </p:tgtEl>
                                         <p:attrNameLst>
                                           <p:attrName>style.visibility</p:attrName>
@@ -3492,7 +3492,7 @@
                                       <p:cBhvr>
                                         <p:cTn id="7" dur="500"/>
                                         <p:tgtEl>
-                                          <p:spTgt spid="603139"/>
+                                          <p:spTgt spid="604163"/>
                                         </p:tgtEl>
                                       </p:cBhvr>
                                     </p:animEffect>
